--- a/RAID MODELS.pptx
+++ b/RAID MODELS.pptx
@@ -2534,13 +2534,13 @@
   <p:clrMapOvr>
     <a:masterClrMapping/>
   </p:clrMapOvr>
-  <mc:AlternateContent xmlns:mc="http://schemas.openxmlformats.org/markup-compatibility/2006">
-    <mc:Choice xmlns:p159="http://schemas.microsoft.com/office/powerpoint/2015/09/main" Requires="p159">
+  <mc:AlternateContent xmlns:mc="http://schemas.openxmlformats.org/markup-compatibility/2006" xmlns:p159="http://schemas.microsoft.com/office/powerpoint/2015/09/main">
+    <mc:Choice Requires="p159">
       <p:transition>
         <p159:morph option="byObject"/>
       </p:transition>
     </mc:Choice>
-    <mc:Fallback>
+    <mc:Fallback xmlns="">
       <p:transition>
         <p:fade/>
       </p:transition>
@@ -2692,13 +2692,13 @@
   <p:clrMapOvr>
     <a:masterClrMapping/>
   </p:clrMapOvr>
-  <mc:AlternateContent xmlns:mc="http://schemas.openxmlformats.org/markup-compatibility/2006">
-    <mc:Choice xmlns:p159="http://schemas.microsoft.com/office/powerpoint/2015/09/main" Requires="p159">
+  <mc:AlternateContent xmlns:mc="http://schemas.openxmlformats.org/markup-compatibility/2006" xmlns:p159="http://schemas.microsoft.com/office/powerpoint/2015/09/main">
+    <mc:Choice Requires="p159">
       <p:transition spd="slow">
         <p159:morph option="byObject"/>
       </p:transition>
     </mc:Choice>
-    <mc:Fallback>
+    <mc:Fallback xmlns="">
       <p:transition spd="slow">
         <p:fade/>
       </p:transition>
@@ -2883,13 +2883,13 @@
   <p:clrMapOvr>
     <a:masterClrMapping/>
   </p:clrMapOvr>
-  <mc:AlternateContent xmlns:mc="http://schemas.openxmlformats.org/markup-compatibility/2006">
-    <mc:Choice xmlns:p159="http://schemas.microsoft.com/office/powerpoint/2015/09/main" Requires="p159">
+  <mc:AlternateContent xmlns:mc="http://schemas.openxmlformats.org/markup-compatibility/2006" xmlns:p159="http://schemas.microsoft.com/office/powerpoint/2015/09/main">
+    <mc:Choice Requires="p159">
       <p:transition>
         <p159:morph option="byObject"/>
       </p:transition>
     </mc:Choice>
-    <mc:Fallback>
+    <mc:Fallback xmlns="">
       <p:transition>
         <p:fade/>
       </p:transition>
@@ -3458,13 +3458,13 @@
   <p:clrMapOvr>
     <a:masterClrMapping/>
   </p:clrMapOvr>
-  <mc:AlternateContent xmlns:mc="http://schemas.openxmlformats.org/markup-compatibility/2006">
-    <mc:Choice xmlns:p159="http://schemas.microsoft.com/office/powerpoint/2015/09/main" Requires="p159">
+  <mc:AlternateContent xmlns:mc="http://schemas.openxmlformats.org/markup-compatibility/2006" xmlns:p159="http://schemas.microsoft.com/office/powerpoint/2015/09/main">
+    <mc:Choice Requires="p159">
       <p:transition>
         <p159:morph option="byObject"/>
       </p:transition>
     </mc:Choice>
-    <mc:Fallback>
+    <mc:Fallback xmlns="">
       <p:transition>
         <p:fade/>
       </p:transition>
@@ -3555,6 +3555,81 @@
                   <a:schemeClr val="bg1"/>
                 </a:solidFill>
                 <a:latin typeface="Tenorite" panose="00000500000000000000" pitchFamily="2" charset="0"/>
+                <a:hlinkClick r:id="rId3"/>
+              </a:rPr>
+              <a:t>link</a:t>
+            </a:r>
+            <a:r>
+              <a:rPr lang="en-US" sz="4000" b="1" dirty="0">
+                <a:solidFill>
+                  <a:schemeClr val="bg1"/>
+                </a:solidFill>
+                <a:latin typeface="Tenorite" panose="00000500000000000000" pitchFamily="2" charset="0"/>
+              </a:rPr>
+              <a:t> </a:t>
+            </a:r>
+            <a:r>
+              <a:rPr lang="en-US" sz="4000" b="1" dirty="0">
+                <a:solidFill>
+                  <a:schemeClr val="bg1"/>
+                </a:solidFill>
+                <a:latin typeface="Tenorite" panose="00000500000000000000" pitchFamily="2" charset="0"/>
+                <a:hlinkClick r:id="rId4"/>
+              </a:rPr>
+              <a:t>link2</a:t>
+            </a:r>
+            <a:r>
+              <a:rPr lang="en-US" sz="4000" b="1" dirty="0">
+                <a:solidFill>
+                  <a:schemeClr val="bg1"/>
+                </a:solidFill>
+                <a:latin typeface="Tenorite" panose="00000500000000000000" pitchFamily="2" charset="0"/>
+              </a:rPr>
+              <a:t> </a:t>
+            </a:r>
+            <a:r>
+              <a:rPr lang="en-US" sz="4000" b="1" dirty="0">
+                <a:solidFill>
+                  <a:schemeClr val="bg1"/>
+                </a:solidFill>
+                <a:latin typeface="Tenorite" panose="00000500000000000000" pitchFamily="2" charset="0"/>
+                <a:hlinkClick r:id="rId5"/>
+              </a:rPr>
+              <a:t>link3</a:t>
+            </a:r>
+            <a:r>
+              <a:rPr lang="en-US" sz="4000" b="1" dirty="0">
+                <a:solidFill>
+                  <a:schemeClr val="bg1"/>
+                </a:solidFill>
+                <a:latin typeface="Tenorite" panose="00000500000000000000" pitchFamily="2" charset="0"/>
+              </a:rPr>
+              <a:t> </a:t>
+            </a:r>
+            <a:r>
+              <a:rPr lang="en-US" sz="4000" b="1" dirty="0">
+                <a:solidFill>
+                  <a:schemeClr val="bg1"/>
+                </a:solidFill>
+                <a:latin typeface="Tenorite" panose="00000500000000000000" pitchFamily="2" charset="0"/>
+                <a:hlinkClick r:id="rId6"/>
+              </a:rPr>
+              <a:t>link4</a:t>
+            </a:r>
+            <a:br>
+              <a:rPr lang="en-PK" sz="4000" b="1" dirty="0">
+                <a:solidFill>
+                  <a:schemeClr val="bg1"/>
+                </a:solidFill>
+                <a:latin typeface="Tenorite" panose="00000500000000000000" pitchFamily="2" charset="0"/>
+              </a:rPr>
+            </a:br>
+            <a:r>
+              <a:rPr lang="en-US" sz="4000" b="1" dirty="0">
+                <a:solidFill>
+                  <a:schemeClr val="bg1"/>
+                </a:solidFill>
+                <a:latin typeface="Tenorite" panose="00000500000000000000" pitchFamily="2" charset="0"/>
               </a:rPr>
               <a:t>Thank you Everyone</a:t>
             </a:r>
@@ -3639,13 +3714,13 @@
   <p:clrMapOvr>
     <a:masterClrMapping/>
   </p:clrMapOvr>
-  <mc:AlternateContent xmlns:mc="http://schemas.openxmlformats.org/markup-compatibility/2006">
-    <mc:Choice xmlns:p159="http://schemas.microsoft.com/office/powerpoint/2015/09/main" Requires="p159">
+  <mc:AlternateContent xmlns:mc="http://schemas.openxmlformats.org/markup-compatibility/2006" xmlns:p159="http://schemas.microsoft.com/office/powerpoint/2015/09/main">
+    <mc:Choice Requires="p159">
       <p:transition spd="med">
         <p159:morph option="byObject"/>
       </p:transition>
     </mc:Choice>
-    <mc:Fallback>
+    <mc:Fallback xmlns="">
       <p:transition spd="med">
         <p:fade/>
       </p:transition>
@@ -4110,13 +4185,13 @@
   <p:clrMapOvr>
     <a:masterClrMapping/>
   </p:clrMapOvr>
-  <mc:AlternateContent xmlns:mc="http://schemas.openxmlformats.org/markup-compatibility/2006">
-    <mc:Choice xmlns:p159="http://schemas.microsoft.com/office/powerpoint/2015/09/main" Requires="p159">
+  <mc:AlternateContent xmlns:mc="http://schemas.openxmlformats.org/markup-compatibility/2006" xmlns:p159="http://schemas.microsoft.com/office/powerpoint/2015/09/main">
+    <mc:Choice Requires="p159">
       <p:transition>
         <p159:morph option="byObject"/>
       </p:transition>
     </mc:Choice>
-    <mc:Fallback>
+    <mc:Fallback xmlns="">
       <p:transition>
         <p:fade/>
       </p:transition>
@@ -4258,13 +4333,13 @@
   <p:clrMapOvr>
     <a:masterClrMapping/>
   </p:clrMapOvr>
-  <mc:AlternateContent xmlns:mc="http://schemas.openxmlformats.org/markup-compatibility/2006">
-    <mc:Choice xmlns:p159="http://schemas.microsoft.com/office/powerpoint/2015/09/main" Requires="p159">
+  <mc:AlternateContent xmlns:mc="http://schemas.openxmlformats.org/markup-compatibility/2006" xmlns:p159="http://schemas.microsoft.com/office/powerpoint/2015/09/main">
+    <mc:Choice Requires="p159">
       <p:transition spd="med">
         <p159:morph option="byObject"/>
       </p:transition>
     </mc:Choice>
-    <mc:Fallback>
+    <mc:Fallback xmlns="">
       <p:transition spd="med">
         <p:fade/>
       </p:transition>
@@ -4442,13 +4517,13 @@
   <p:clrMapOvr>
     <a:masterClrMapping/>
   </p:clrMapOvr>
-  <mc:AlternateContent xmlns:mc="http://schemas.openxmlformats.org/markup-compatibility/2006">
-    <mc:Choice xmlns:p159="http://schemas.microsoft.com/office/powerpoint/2015/09/main" Requires="p159">
+  <mc:AlternateContent xmlns:mc="http://schemas.openxmlformats.org/markup-compatibility/2006" xmlns:p159="http://schemas.microsoft.com/office/powerpoint/2015/09/main">
+    <mc:Choice Requires="p159">
       <p:transition spd="med">
         <p159:morph option="byObject"/>
       </p:transition>
     </mc:Choice>
-    <mc:Fallback>
+    <mc:Fallback xmlns="">
       <p:transition spd="med">
         <p:fade/>
       </p:transition>
@@ -4999,13 +5074,13 @@
   <p:clrMapOvr>
     <a:masterClrMapping/>
   </p:clrMapOvr>
-  <mc:AlternateContent xmlns:mc="http://schemas.openxmlformats.org/markup-compatibility/2006">
-    <mc:Choice xmlns:p159="http://schemas.microsoft.com/office/powerpoint/2015/09/main" Requires="p159">
+  <mc:AlternateContent xmlns:mc="http://schemas.openxmlformats.org/markup-compatibility/2006" xmlns:p159="http://schemas.microsoft.com/office/powerpoint/2015/09/main">
+    <mc:Choice Requires="p159">
       <p:transition>
         <p159:morph option="byObject"/>
       </p:transition>
     </mc:Choice>
-    <mc:Fallback>
+    <mc:Fallback xmlns="">
       <p:transition>
         <p:fade/>
       </p:transition>
@@ -5757,13 +5832,13 @@
   <p:clrMapOvr>
     <a:masterClrMapping/>
   </p:clrMapOvr>
-  <mc:AlternateContent xmlns:mc="http://schemas.openxmlformats.org/markup-compatibility/2006">
-    <mc:Choice xmlns:p159="http://schemas.microsoft.com/office/powerpoint/2015/09/main" Requires="p159">
+  <mc:AlternateContent xmlns:mc="http://schemas.openxmlformats.org/markup-compatibility/2006" xmlns:p159="http://schemas.microsoft.com/office/powerpoint/2015/09/main">
+    <mc:Choice Requires="p159">
       <p:transition spd="slow">
         <p159:morph option="byObject"/>
       </p:transition>
     </mc:Choice>
-    <mc:Fallback>
+    <mc:Fallback xmlns="">
       <p:transition spd="slow">
         <p:fade/>
       </p:transition>
@@ -5919,13 +5994,13 @@
   <p:clrMapOvr>
     <a:masterClrMapping/>
   </p:clrMapOvr>
-  <mc:AlternateContent xmlns:mc="http://schemas.openxmlformats.org/markup-compatibility/2006">
-    <mc:Choice xmlns:p159="http://schemas.microsoft.com/office/powerpoint/2015/09/main" Requires="p159">
+  <mc:AlternateContent xmlns:mc="http://schemas.openxmlformats.org/markup-compatibility/2006" xmlns:p159="http://schemas.microsoft.com/office/powerpoint/2015/09/main">
+    <mc:Choice Requires="p159">
       <p:transition spd="med">
         <p159:morph option="byObject"/>
       </p:transition>
     </mc:Choice>
-    <mc:Fallback>
+    <mc:Fallback xmlns="">
       <p:transition spd="med">
         <p:fade/>
       </p:transition>
@@ -6125,13 +6200,13 @@
   <p:clrMapOvr>
     <a:masterClrMapping/>
   </p:clrMapOvr>
-  <mc:AlternateContent xmlns:mc="http://schemas.openxmlformats.org/markup-compatibility/2006">
-    <mc:Choice xmlns:p159="http://schemas.microsoft.com/office/powerpoint/2015/09/main" Requires="p159">
+  <mc:AlternateContent xmlns:mc="http://schemas.openxmlformats.org/markup-compatibility/2006" xmlns:p159="http://schemas.microsoft.com/office/powerpoint/2015/09/main">
+    <mc:Choice Requires="p159">
       <p:transition>
         <p159:morph option="byObject"/>
       </p:transition>
     </mc:Choice>
-    <mc:Fallback>
+    <mc:Fallback xmlns="">
       <p:transition>
         <p:fade/>
       </p:transition>
@@ -7446,13 +7521,13 @@
   <p:clrMapOvr>
     <a:masterClrMapping/>
   </p:clrMapOvr>
-  <mc:AlternateContent xmlns:mc="http://schemas.openxmlformats.org/markup-compatibility/2006">
-    <mc:Choice xmlns:p159="http://schemas.microsoft.com/office/powerpoint/2015/09/main" Requires="p159">
+  <mc:AlternateContent xmlns:mc="http://schemas.openxmlformats.org/markup-compatibility/2006" xmlns:p159="http://schemas.microsoft.com/office/powerpoint/2015/09/main">
+    <mc:Choice Requires="p159">
       <p:transition spd="med">
         <p159:morph option="byObject"/>
       </p:transition>
     </mc:Choice>
-    <mc:Fallback>
+    <mc:Fallback xmlns="">
       <p:transition spd="med">
         <p:fade/>
       </p:transition>
@@ -8219,23 +8294,12 @@
 </file>
 
 <file path=customXml/item1.xml><?xml version="1.0" encoding="utf-8"?>
-<p:properties xmlns:p="http://schemas.microsoft.com/office/2006/metadata/properties" xmlns:xsi="http://www.w3.org/2001/XMLSchema-instance" xmlns:pc="http://schemas.microsoft.com/office/infopath/2007/PartnerControls">
-  <documentManagement>
-    <_ip_UnifiedCompliancePolicyUIAction xmlns="http://schemas.microsoft.com/sharepoint/v3" xsi:nil="true"/>
-    <Image xmlns="71af3243-3dd4-4a8d-8c0d-dd76da1f02a5">
-      <Url xsi:nil="true"/>
-      <Description xsi:nil="true"/>
-    </Image>
-    <Status xmlns="71af3243-3dd4-4a8d-8c0d-dd76da1f02a5">Not started</Status>
-    <Background xmlns="71af3243-3dd4-4a8d-8c0d-dd76da1f02a5">false</Background>
-    <_ip_UnifiedCompliancePolicyProperties xmlns="http://schemas.microsoft.com/sharepoint/v3" xsi:nil="true"/>
-    <ImageTagsTaxHTField xmlns="71af3243-3dd4-4a8d-8c0d-dd76da1f02a5">
-      <Terms xmlns="http://schemas.microsoft.com/office/infopath/2007/PartnerControls"/>
-    </ImageTagsTaxHTField>
-    <TaxCatchAll xmlns="230e9df3-be65-4c73-a93b-d1236ebd677e" xsi:nil="true"/>
-    <MediaServiceKeyPoints xmlns="71af3243-3dd4-4a8d-8c0d-dd76da1f02a5" xsi:nil="true"/>
-  </documentManagement>
-</p:properties>
+<?mso-contentType ?>
+<FormTemplates xmlns="http://schemas.microsoft.com/sharepoint/v3/contenttype/forms">
+  <Display>DocumentLibraryForm</Display>
+  <Edit>DocumentLibraryForm</Edit>
+  <New>DocumentLibraryForm</New>
+</FormTemplates>
 </file>
 
 <file path=customXml/item2.xml><?xml version="1.0" encoding="utf-8"?>
@@ -8545,22 +8609,29 @@
 </file>
 
 <file path=customXml/item3.xml><?xml version="1.0" encoding="utf-8"?>
-<?mso-contentType ?>
-<FormTemplates xmlns="http://schemas.microsoft.com/sharepoint/v3/contenttype/forms">
-  <Display>DocumentLibraryForm</Display>
-  <Edit>DocumentLibraryForm</Edit>
-  <New>DocumentLibraryForm</New>
-</FormTemplates>
+<p:properties xmlns:p="http://schemas.microsoft.com/office/2006/metadata/properties" xmlns:xsi="http://www.w3.org/2001/XMLSchema-instance" xmlns:pc="http://schemas.microsoft.com/office/infopath/2007/PartnerControls">
+  <documentManagement>
+    <_ip_UnifiedCompliancePolicyUIAction xmlns="http://schemas.microsoft.com/sharepoint/v3" xsi:nil="true"/>
+    <Image xmlns="71af3243-3dd4-4a8d-8c0d-dd76da1f02a5">
+      <Url xsi:nil="true"/>
+      <Description xsi:nil="true"/>
+    </Image>
+    <Status xmlns="71af3243-3dd4-4a8d-8c0d-dd76da1f02a5">Not started</Status>
+    <Background xmlns="71af3243-3dd4-4a8d-8c0d-dd76da1f02a5">false</Background>
+    <_ip_UnifiedCompliancePolicyProperties xmlns="http://schemas.microsoft.com/sharepoint/v3" xsi:nil="true"/>
+    <ImageTagsTaxHTField xmlns="71af3243-3dd4-4a8d-8c0d-dd76da1f02a5">
+      <Terms xmlns="http://schemas.microsoft.com/office/infopath/2007/PartnerControls"/>
+    </ImageTagsTaxHTField>
+    <TaxCatchAll xmlns="230e9df3-be65-4c73-a93b-d1236ebd677e" xsi:nil="true"/>
+    <MediaServiceKeyPoints xmlns="71af3243-3dd4-4a8d-8c0d-dd76da1f02a5" xsi:nil="true"/>
+  </documentManagement>
+</p:properties>
 </file>
 
 <file path=customXml/itemProps1.xml><?xml version="1.0" encoding="utf-8"?>
-<ds:datastoreItem xmlns:ds="http://schemas.openxmlformats.org/officeDocument/2006/customXml" ds:itemID="{5A3EE4EA-81C0-48D0-BEBD-A2EFD6B38B42}">
+<ds:datastoreItem xmlns:ds="http://schemas.openxmlformats.org/officeDocument/2006/customXml" ds:itemID="{5563EE24-83AF-4B4D-B45B-11D1ECD4364A}">
   <ds:schemaRefs>
-    <ds:schemaRef ds:uri="http://schemas.microsoft.com/office/2006/metadata/properties"/>
-    <ds:schemaRef ds:uri="http://schemas.microsoft.com/office/infopath/2007/PartnerControls"/>
-    <ds:schemaRef ds:uri="http://schemas.microsoft.com/sharepoint/v3"/>
-    <ds:schemaRef ds:uri="71af3243-3dd4-4a8d-8c0d-dd76da1f02a5"/>
-    <ds:schemaRef ds:uri="230e9df3-be65-4c73-a93b-d1236ebd677e"/>
+    <ds:schemaRef ds:uri="http://schemas.microsoft.com/sharepoint/v3/contenttype/forms"/>
   </ds:schemaRefs>
 </ds:datastoreItem>
 </file>
@@ -8587,9 +8658,13 @@
 </file>
 
 <file path=customXml/itemProps3.xml><?xml version="1.0" encoding="utf-8"?>
-<ds:datastoreItem xmlns:ds="http://schemas.openxmlformats.org/officeDocument/2006/customXml" ds:itemID="{5563EE24-83AF-4B4D-B45B-11D1ECD4364A}">
+<ds:datastoreItem xmlns:ds="http://schemas.openxmlformats.org/officeDocument/2006/customXml" ds:itemID="{5A3EE4EA-81C0-48D0-BEBD-A2EFD6B38B42}">
   <ds:schemaRefs>
-    <ds:schemaRef ds:uri="http://schemas.microsoft.com/sharepoint/v3/contenttype/forms"/>
+    <ds:schemaRef ds:uri="http://schemas.microsoft.com/office/2006/metadata/properties"/>
+    <ds:schemaRef ds:uri="http://schemas.microsoft.com/office/infopath/2007/PartnerControls"/>
+    <ds:schemaRef ds:uri="http://schemas.microsoft.com/sharepoint/v3"/>
+    <ds:schemaRef ds:uri="71af3243-3dd4-4a8d-8c0d-dd76da1f02a5"/>
+    <ds:schemaRef ds:uri="230e9df3-be65-4c73-a93b-d1236ebd677e"/>
   </ds:schemaRefs>
 </ds:datastoreItem>
 </file>